--- a/04-Conditions.pptx
+++ b/04-Conditions.pptx
@@ -17,9 +17,8 @@
     <p:sldId id="305" r:id="rId11"/>
     <p:sldId id="306" r:id="rId12"/>
     <p:sldId id="295" r:id="rId13"/>
-    <p:sldId id="318" r:id="rId14"/>
-    <p:sldId id="268" r:id="rId15"/>
-    <p:sldId id="269" r:id="rId16"/>
+    <p:sldId id="268" r:id="rId14"/>
+    <p:sldId id="269" r:id="rId15"/>
   </p:sldIdLst>
   <p:sldSz cx="9144000" cy="6858000" type="screen4x3"/>
   <p:notesSz cx="6858000" cy="9144000"/>
@@ -118,6 +117,22 @@
       </a:defRPr>
     </a:lvl9pPr>
   </p:defaultTextStyle>
+  <p:extLst>
+    <p:ext uri="{EFAFB233-063F-42B5-8137-9DF3F51BA10A}">
+      <p15:sldGuideLst xmlns:p15="http://schemas.microsoft.com/office/powerpoint/2012/main">
+        <p15:guide id="1" orient="horz" pos="2160">
+          <p15:clr>
+            <a:srgbClr val="A4A3A4"/>
+          </p15:clr>
+        </p15:guide>
+        <p15:guide id="2" pos="2880">
+          <p15:clr>
+            <a:srgbClr val="A4A3A4"/>
+          </p15:clr>
+        </p15:guide>
+      </p15:sldGuideLst>
+    </p:ext>
+  </p:extLst>
 </p:presentation>
 </file>
 
@@ -302,7 +317,7 @@
           <a:p>
             <a:fld id="{3EA744D9-3FBE-48D8-BF2A-85DF203E4D20}" type="datetimeFigureOut">
               <a:rPr lang="bg-BG" smtClean="0"/>
-              <a:t>6.5.2015 г.</a:t>
+              <a:t>16.6.2015 г.</a:t>
             </a:fld>
             <a:endParaRPr lang="bg-BG"/>
           </a:p>
@@ -472,7 +487,7 @@
           <a:p>
             <a:fld id="{3EA744D9-3FBE-48D8-BF2A-85DF203E4D20}" type="datetimeFigureOut">
               <a:rPr lang="bg-BG" smtClean="0"/>
-              <a:t>6.5.2015 г.</a:t>
+              <a:t>16.6.2015 г.</a:t>
             </a:fld>
             <a:endParaRPr lang="bg-BG"/>
           </a:p>
@@ -652,7 +667,7 @@
           <a:p>
             <a:fld id="{3EA744D9-3FBE-48D8-BF2A-85DF203E4D20}" type="datetimeFigureOut">
               <a:rPr lang="bg-BG" smtClean="0"/>
-              <a:t>6.5.2015 г.</a:t>
+              <a:t>16.6.2015 г.</a:t>
             </a:fld>
             <a:endParaRPr lang="bg-BG"/>
           </a:p>
@@ -822,7 +837,7 @@
           <a:p>
             <a:fld id="{3EA744D9-3FBE-48D8-BF2A-85DF203E4D20}" type="datetimeFigureOut">
               <a:rPr lang="bg-BG" smtClean="0"/>
-              <a:t>6.5.2015 г.</a:t>
+              <a:t>16.6.2015 г.</a:t>
             </a:fld>
             <a:endParaRPr lang="bg-BG"/>
           </a:p>
@@ -1068,7 +1083,7 @@
           <a:p>
             <a:fld id="{3EA744D9-3FBE-48D8-BF2A-85DF203E4D20}" type="datetimeFigureOut">
               <a:rPr lang="bg-BG" smtClean="0"/>
-              <a:t>6.5.2015 г.</a:t>
+              <a:t>16.6.2015 г.</a:t>
             </a:fld>
             <a:endParaRPr lang="bg-BG"/>
           </a:p>
@@ -1356,7 +1371,7 @@
           <a:p>
             <a:fld id="{3EA744D9-3FBE-48D8-BF2A-85DF203E4D20}" type="datetimeFigureOut">
               <a:rPr lang="bg-BG" smtClean="0"/>
-              <a:t>6.5.2015 г.</a:t>
+              <a:t>16.6.2015 г.</a:t>
             </a:fld>
             <a:endParaRPr lang="bg-BG"/>
           </a:p>
@@ -1778,7 +1793,7 @@
           <a:p>
             <a:fld id="{3EA744D9-3FBE-48D8-BF2A-85DF203E4D20}" type="datetimeFigureOut">
               <a:rPr lang="bg-BG" smtClean="0"/>
-              <a:t>6.5.2015 г.</a:t>
+              <a:t>16.6.2015 г.</a:t>
             </a:fld>
             <a:endParaRPr lang="bg-BG"/>
           </a:p>
@@ -1896,7 +1911,7 @@
           <a:p>
             <a:fld id="{3EA744D9-3FBE-48D8-BF2A-85DF203E4D20}" type="datetimeFigureOut">
               <a:rPr lang="bg-BG" smtClean="0"/>
-              <a:t>6.5.2015 г.</a:t>
+              <a:t>16.6.2015 г.</a:t>
             </a:fld>
             <a:endParaRPr lang="bg-BG"/>
           </a:p>
@@ -1991,7 +2006,7 @@
           <a:p>
             <a:fld id="{3EA744D9-3FBE-48D8-BF2A-85DF203E4D20}" type="datetimeFigureOut">
               <a:rPr lang="bg-BG" smtClean="0"/>
-              <a:t>6.5.2015 г.</a:t>
+              <a:t>16.6.2015 г.</a:t>
             </a:fld>
             <a:endParaRPr lang="bg-BG"/>
           </a:p>
@@ -2268,7 +2283,7 @@
           <a:p>
             <a:fld id="{3EA744D9-3FBE-48D8-BF2A-85DF203E4D20}" type="datetimeFigureOut">
               <a:rPr lang="bg-BG" smtClean="0"/>
-              <a:t>6.5.2015 г.</a:t>
+              <a:t>16.6.2015 г.</a:t>
             </a:fld>
             <a:endParaRPr lang="bg-BG"/>
           </a:p>
@@ -2521,7 +2536,7 @@
           <a:p>
             <a:fld id="{3EA744D9-3FBE-48D8-BF2A-85DF203E4D20}" type="datetimeFigureOut">
               <a:rPr lang="bg-BG" smtClean="0"/>
-              <a:t>6.5.2015 г.</a:t>
+              <a:t>16.6.2015 г.</a:t>
             </a:fld>
             <a:endParaRPr lang="bg-BG"/>
           </a:p>
@@ -2743,7 +2758,7 @@
           <a:p>
             <a:fld id="{3EA744D9-3FBE-48D8-BF2A-85DF203E4D20}" type="datetimeFigureOut">
               <a:rPr lang="bg-BG" smtClean="0"/>
-              <a:t>6.5.2015 г.</a:t>
+              <a:t>16.6.2015 г.</a:t>
             </a:fld>
             <a:endParaRPr lang="bg-BG"/>
           </a:p>
@@ -3357,17 +3372,7 @@
                   </a:schemeClr>
                 </a:solidFill>
               </a:rPr>
-              <a:t>стойност-1</a:t>
-            </a:r>
-            <a:r>
-              <a:rPr lang="bg-BG" dirty="0" smtClean="0">
-                <a:solidFill>
-                  <a:schemeClr val="bg1">
-                    <a:lumMod val="95000"/>
-                  </a:schemeClr>
-                </a:solidFill>
-              </a:rPr>
-              <a:t>: конструкция; </a:t>
+              <a:t>стойност-1: конструкция; </a:t>
             </a:r>
             <a:r>
               <a:rPr lang="en-US" dirty="0" smtClean="0">
@@ -3984,13 +3989,6 @@
               </a:rPr>
               <a:t>стойност-4 </a:t>
             </a:r>
-            <a:endParaRPr lang="bg-BG" dirty="0" smtClean="0">
-              <a:solidFill>
-                <a:schemeClr val="bg1">
-                  <a:lumMod val="95000"/>
-                </a:schemeClr>
-              </a:solidFill>
-            </a:endParaRPr>
           </a:p>
           <a:p>
             <a:pPr marL="0" indent="0">
@@ -4024,17 +4022,7 @@
                   </a:schemeClr>
                 </a:solidFill>
               </a:rPr>
-              <a:t>стойност-5</a:t>
-            </a:r>
-            <a:r>
-              <a:rPr lang="bg-BG" dirty="0" smtClean="0">
-                <a:solidFill>
-                  <a:schemeClr val="bg1">
-                    <a:lumMod val="95000"/>
-                  </a:schemeClr>
-                </a:solidFill>
-              </a:rPr>
-              <a:t>: </a:t>
+              <a:t>стойност-5: </a:t>
             </a:r>
             <a:r>
               <a:rPr lang="bg-BG" dirty="0">
@@ -4283,374 +4271,6 @@
           </a:xfrm>
         </p:spPr>
         <p:txBody>
-          <a:bodyPr>
-            <a:normAutofit/>
-          </a:bodyPr>
-          <a:lstStyle/>
-          <a:p>
-            <a:pPr algn="l"/>
-            <a:r>
-              <a:rPr lang="bg-BG" dirty="0" smtClean="0">
-                <a:solidFill>
-                  <a:schemeClr val="accent6"/>
-                </a:solidFill>
-              </a:rPr>
-              <a:t>Задача</a:t>
-            </a:r>
-            <a:endParaRPr lang="bg-BG" dirty="0">
-              <a:solidFill>
-                <a:schemeClr val="accent6"/>
-              </a:solidFill>
-            </a:endParaRPr>
-          </a:p>
-        </p:txBody>
-      </p:sp>
-      <p:sp>
-        <p:nvSpPr>
-          <p:cNvPr id="3" name="Content Placeholder 2"/>
-          <p:cNvSpPr>
-            <a:spLocks noGrp="1"/>
-          </p:cNvSpPr>
-          <p:nvPr>
-            <p:ph idx="1"/>
-          </p:nvPr>
-        </p:nvSpPr>
-        <p:spPr>
-          <a:xfrm>
-            <a:off x="762000" y="1676400"/>
-            <a:ext cx="7620000" cy="4525963"/>
-          </a:xfrm>
-        </p:spPr>
-        <p:txBody>
-          <a:bodyPr>
-            <a:normAutofit/>
-          </a:bodyPr>
-          <a:lstStyle/>
-          <a:p>
-            <a:pPr>
-              <a:buFont typeface="Wingdings" panose="05000000000000000000" pitchFamily="2" charset="2"/>
-              <a:buChar char="§"/>
-            </a:pPr>
-            <a:r>
-              <a:rPr lang="ru-RU" dirty="0" err="1">
-                <a:solidFill>
-                  <a:schemeClr val="bg1">
-                    <a:lumMod val="95000"/>
-                  </a:schemeClr>
-                </a:solidFill>
-              </a:rPr>
-              <a:t>Направете</a:t>
-            </a:r>
-            <a:r>
-              <a:rPr lang="ru-RU" dirty="0">
-                <a:solidFill>
-                  <a:schemeClr val="bg1">
-                    <a:lumMod val="95000"/>
-                  </a:schemeClr>
-                </a:solidFill>
-              </a:rPr>
-              <a:t> </a:t>
-            </a:r>
-            <a:r>
-              <a:rPr lang="ru-RU" dirty="0" err="1">
-                <a:solidFill>
-                  <a:schemeClr val="bg1">
-                    <a:lumMod val="95000"/>
-                  </a:schemeClr>
-                </a:solidFill>
-              </a:rPr>
-              <a:t>програма</a:t>
-            </a:r>
-            <a:r>
-              <a:rPr lang="ru-RU" dirty="0">
-                <a:solidFill>
-                  <a:schemeClr val="bg1">
-                    <a:lumMod val="95000"/>
-                  </a:schemeClr>
-                </a:solidFill>
-              </a:rPr>
-              <a:t>, </a:t>
-            </a:r>
-            <a:r>
-              <a:rPr lang="ru-RU" dirty="0" err="1">
-                <a:solidFill>
-                  <a:schemeClr val="bg1">
-                    <a:lumMod val="95000"/>
-                  </a:schemeClr>
-                </a:solidFill>
-              </a:rPr>
-              <a:t>която</a:t>
-            </a:r>
-            <a:r>
-              <a:rPr lang="ru-RU" dirty="0">
-                <a:solidFill>
-                  <a:schemeClr val="bg1">
-                    <a:lumMod val="95000"/>
-                  </a:schemeClr>
-                </a:solidFill>
-              </a:rPr>
-              <a:t> </a:t>
-            </a:r>
-            <a:r>
-              <a:rPr lang="ru-RU" dirty="0" err="1">
-                <a:solidFill>
-                  <a:schemeClr val="bg1">
-                    <a:lumMod val="95000"/>
-                  </a:schemeClr>
-                </a:solidFill>
-              </a:rPr>
-              <a:t>извежда</a:t>
-            </a:r>
-            <a:r>
-              <a:rPr lang="ru-RU" dirty="0">
-                <a:solidFill>
-                  <a:schemeClr val="bg1">
-                    <a:lumMod val="95000"/>
-                  </a:schemeClr>
-                </a:solidFill>
-              </a:rPr>
-              <a:t> на </a:t>
-            </a:r>
-            <a:r>
-              <a:rPr lang="ru-RU" dirty="0" err="1">
-                <a:solidFill>
-                  <a:schemeClr val="bg1">
-                    <a:lumMod val="95000"/>
-                  </a:schemeClr>
-                </a:solidFill>
-              </a:rPr>
-              <a:t>конзолата</a:t>
-            </a:r>
-            <a:r>
-              <a:rPr lang="ru-RU" dirty="0">
-                <a:solidFill>
-                  <a:schemeClr val="bg1">
-                    <a:lumMod val="95000"/>
-                  </a:schemeClr>
-                </a:solidFill>
-              </a:rPr>
-              <a:t> </a:t>
-            </a:r>
-            <a:r>
-              <a:rPr lang="ru-RU" dirty="0" err="1">
-                <a:solidFill>
-                  <a:schemeClr val="bg1">
-                    <a:lumMod val="95000"/>
-                  </a:schemeClr>
-                </a:solidFill>
-              </a:rPr>
-              <a:t>всички</a:t>
-            </a:r>
-            <a:r>
-              <a:rPr lang="ru-RU" dirty="0">
-                <a:solidFill>
-                  <a:schemeClr val="bg1">
-                    <a:lumMod val="95000"/>
-                  </a:schemeClr>
-                </a:solidFill>
-              </a:rPr>
-              <a:t> числа от 1 до </a:t>
-            </a:r>
-            <a:r>
-              <a:rPr lang="ru-RU" dirty="0" smtClean="0">
-                <a:solidFill>
-                  <a:schemeClr val="bg1">
-                    <a:lumMod val="95000"/>
-                  </a:schemeClr>
-                </a:solidFill>
-              </a:rPr>
-              <a:t>100, </a:t>
-            </a:r>
-            <a:r>
-              <a:rPr lang="ru-RU" dirty="0" err="1">
-                <a:solidFill>
-                  <a:schemeClr val="bg1">
-                    <a:lumMod val="95000"/>
-                  </a:schemeClr>
-                </a:solidFill>
-              </a:rPr>
-              <a:t>които</a:t>
-            </a:r>
-            <a:r>
-              <a:rPr lang="ru-RU" dirty="0">
-                <a:solidFill>
-                  <a:schemeClr val="bg1">
-                    <a:lumMod val="95000"/>
-                  </a:schemeClr>
-                </a:solidFill>
-              </a:rPr>
-              <a:t> се делят или на 7 или на 11 без </a:t>
-            </a:r>
-            <a:r>
-              <a:rPr lang="ru-RU" dirty="0" err="1">
-                <a:solidFill>
-                  <a:schemeClr val="bg1">
-                    <a:lumMod val="95000"/>
-                  </a:schemeClr>
-                </a:solidFill>
-              </a:rPr>
-              <a:t>остатък</a:t>
-            </a:r>
-            <a:r>
-              <a:rPr lang="ru-RU" dirty="0">
-                <a:solidFill>
-                  <a:schemeClr val="bg1">
-                    <a:lumMod val="95000"/>
-                  </a:schemeClr>
-                </a:solidFill>
-              </a:rPr>
-              <a:t>.</a:t>
-            </a:r>
-          </a:p>
-          <a:p>
-            <a:pPr>
-              <a:buFont typeface="Wingdings" panose="05000000000000000000" pitchFamily="2" charset="2"/>
-              <a:buChar char="§"/>
-            </a:pPr>
-            <a:r>
-              <a:rPr lang="ru-RU" dirty="0">
-                <a:solidFill>
-                  <a:schemeClr val="bg1">
-                    <a:lumMod val="95000"/>
-                  </a:schemeClr>
-                </a:solidFill>
-              </a:rPr>
-              <a:t>Решете </a:t>
-            </a:r>
-            <a:r>
-              <a:rPr lang="ru-RU" dirty="0" err="1">
-                <a:solidFill>
-                  <a:schemeClr val="bg1">
-                    <a:lumMod val="95000"/>
-                  </a:schemeClr>
-                </a:solidFill>
-              </a:rPr>
-              <a:t>задачата</a:t>
-            </a:r>
-            <a:r>
-              <a:rPr lang="ru-RU" dirty="0">
-                <a:solidFill>
-                  <a:schemeClr val="bg1">
-                    <a:lumMod val="95000"/>
-                  </a:schemeClr>
-                </a:solidFill>
-              </a:rPr>
-              <a:t> по 3 </a:t>
-            </a:r>
-            <a:r>
-              <a:rPr lang="ru-RU" dirty="0" err="1">
-                <a:solidFill>
-                  <a:schemeClr val="bg1">
-                    <a:lumMod val="95000"/>
-                  </a:schemeClr>
-                </a:solidFill>
-              </a:rPr>
-              <a:t>различни</a:t>
-            </a:r>
-            <a:r>
-              <a:rPr lang="ru-RU" dirty="0">
-                <a:solidFill>
-                  <a:schemeClr val="bg1">
-                    <a:lumMod val="95000"/>
-                  </a:schemeClr>
-                </a:solidFill>
-              </a:rPr>
-              <a:t> </a:t>
-            </a:r>
-            <a:r>
-              <a:rPr lang="ru-RU" dirty="0" smtClean="0">
-                <a:solidFill>
-                  <a:schemeClr val="bg1">
-                    <a:lumMod val="95000"/>
-                  </a:schemeClr>
-                </a:solidFill>
-              </a:rPr>
-              <a:t>начина: с </a:t>
-            </a:r>
-            <a:r>
-              <a:rPr lang="ru-RU" dirty="0">
-                <a:solidFill>
-                  <a:schemeClr val="bg1">
-                    <a:lumMod val="95000"/>
-                  </a:schemeClr>
-                </a:solidFill>
-              </a:rPr>
-              <a:t>трите цикли от </a:t>
-            </a:r>
-            <a:r>
-              <a:rPr lang="ru-RU" dirty="0" err="1">
-                <a:solidFill>
-                  <a:schemeClr val="bg1">
-                    <a:lumMod val="95000"/>
-                  </a:schemeClr>
-                </a:solidFill>
-              </a:rPr>
-              <a:t>лекцията</a:t>
-            </a:r>
-            <a:endParaRPr lang="ru-RU" dirty="0" smtClean="0">
-              <a:solidFill>
-                <a:schemeClr val="bg1">
-                  <a:lumMod val="95000"/>
-                </a:schemeClr>
-              </a:solidFill>
-            </a:endParaRPr>
-          </a:p>
-        </p:txBody>
-      </p:sp>
-    </p:spTree>
-    <p:extLst>
-      <p:ext uri="{BB962C8B-B14F-4D97-AF65-F5344CB8AC3E}">
-        <p14:creationId xmlns:p14="http://schemas.microsoft.com/office/powerpoint/2010/main" val="3052864876"/>
-      </p:ext>
-    </p:extLst>
-  </p:cSld>
-  <p:clrMapOvr>
-    <a:masterClrMapping/>
-  </p:clrMapOvr>
-  <p:timing>
-    <p:tnLst>
-      <p:par>
-        <p:cTn id="1" dur="indefinite" restart="never" nodeType="tmRoot"/>
-      </p:par>
-    </p:tnLst>
-  </p:timing>
-</p:sld>
-</file>
-
-<file path=ppt/slides/slide14.xml><?xml version="1.0" encoding="utf-8"?>
-<p:sld xmlns:a="http://schemas.openxmlformats.org/drawingml/2006/main" xmlns:r="http://schemas.openxmlformats.org/officeDocument/2006/relationships" xmlns:p="http://schemas.openxmlformats.org/presentationml/2006/main">
-  <p:cSld>
-    <p:spTree>
-      <p:nvGrpSpPr>
-        <p:cNvPr id="1" name=""/>
-        <p:cNvGrpSpPr/>
-        <p:nvPr/>
-      </p:nvGrpSpPr>
-      <p:grpSpPr>
-        <a:xfrm>
-          <a:off x="0" y="0"/>
-          <a:ext cx="0" cy="0"/>
-          <a:chOff x="0" y="0"/>
-          <a:chExt cx="0" cy="0"/>
-        </a:xfrm>
-      </p:grpSpPr>
-      <p:sp>
-        <p:nvSpPr>
-          <p:cNvPr id="2" name="Title 1"/>
-          <p:cNvSpPr>
-            <a:spLocks noGrp="1"/>
-          </p:cNvSpPr>
-          <p:nvPr>
-            <p:ph type="title"/>
-          </p:nvPr>
-        </p:nvSpPr>
-        <p:spPr>
-          <a:xfrm>
-            <a:off x="838200" y="685800"/>
-            <a:ext cx="8229600" cy="1143000"/>
-          </a:xfrm>
-        </p:spPr>
-        <p:txBody>
           <a:bodyPr/>
           <a:lstStyle/>
           <a:p>
@@ -4800,7 +4420,7 @@
 </p:sld>
 </file>
 
-<file path=ppt/slides/slide15.xml><?xml version="1.0" encoding="utf-8"?>
+<file path=ppt/slides/slide14.xml><?xml version="1.0" encoding="utf-8"?>
 <p:sld xmlns:a="http://schemas.openxmlformats.org/drawingml/2006/main" xmlns:r="http://schemas.openxmlformats.org/officeDocument/2006/relationships" xmlns:p="http://schemas.openxmlformats.org/presentationml/2006/main">
   <p:cSld>
     <p:spTree>
